--- a/Documentation/ML-RE2 Final Presentation by Richa Padhi and Theertha Bharathan.pptx
+++ b/Documentation/ML-RE2 Final Presentation by Richa Padhi and Theertha Bharathan.pptx
@@ -21,24 +21,26 @@
     <p:sldId id="268" r:id="rId15"/>
     <p:sldId id="269" r:id="rId16"/>
     <p:sldId id="270" r:id="rId17"/>
-    <p:sldId id="275" r:id="rId18"/>
-    <p:sldId id="276" r:id="rId19"/>
-    <p:sldId id="277" r:id="rId20"/>
+    <p:sldId id="280" r:id="rId18"/>
+    <p:sldId id="275" r:id="rId19"/>
+    <p:sldId id="279" r:id="rId20"/>
+    <p:sldId id="276" r:id="rId21"/>
+    <p:sldId id="277" r:id="rId22"/>
   </p:sldIdLst>
   <p:sldSz cx="18288000" cy="10287000"/>
   <p:notesSz cx="6858000" cy="9144000"/>
   <p:embeddedFontLst>
     <p:embeddedFont>
       <p:font typeface="Garet" panose="020B0604020202020204" charset="0"/>
-      <p:regular r:id="rId21"/>
+      <p:regular r:id="rId23"/>
     </p:embeddedFont>
     <p:embeddedFont>
       <p:font typeface="Garet Bold" panose="020B0604020202020204" charset="0"/>
-      <p:regular r:id="rId22"/>
+      <p:regular r:id="rId24"/>
     </p:embeddedFont>
     <p:embeddedFont>
       <p:font typeface="Yeseva One" panose="020B0604020202020204" charset="0"/>
-      <p:regular r:id="rId23"/>
+      <p:regular r:id="rId25"/>
     </p:embeddedFont>
   </p:embeddedFontLst>
   <p:defaultTextStyle>
@@ -335,7 +337,7 @@
             <a:fld id="{1D8BD707-D9CF-40AE-B4C6-C98DA3205C09}" type="datetimeFigureOut">
               <a:rPr lang="en-US" smtClean="0"/>
               <a:pPr/>
-              <a:t>3/23/2024</a:t>
+              <a:t>3/31/2024</a:t>
             </a:fld>
             <a:endParaRPr lang="en-US"/>
           </a:p>
@@ -500,7 +502,7 @@
             <a:fld id="{1D8BD707-D9CF-40AE-B4C6-C98DA3205C09}" type="datetimeFigureOut">
               <a:rPr lang="en-US" smtClean="0"/>
               <a:pPr/>
-              <a:t>3/23/2024</a:t>
+              <a:t>3/31/2024</a:t>
             </a:fld>
             <a:endParaRPr lang="en-US"/>
           </a:p>
@@ -675,7 +677,7 @@
             <a:fld id="{1D8BD707-D9CF-40AE-B4C6-C98DA3205C09}" type="datetimeFigureOut">
               <a:rPr lang="en-US" smtClean="0"/>
               <a:pPr/>
-              <a:t>3/23/2024</a:t>
+              <a:t>3/31/2024</a:t>
             </a:fld>
             <a:endParaRPr lang="en-US"/>
           </a:p>
@@ -840,7 +842,7 @@
             <a:fld id="{1D8BD707-D9CF-40AE-B4C6-C98DA3205C09}" type="datetimeFigureOut">
               <a:rPr lang="en-US" smtClean="0"/>
               <a:pPr/>
-              <a:t>3/23/2024</a:t>
+              <a:t>3/31/2024</a:t>
             </a:fld>
             <a:endParaRPr lang="en-US"/>
           </a:p>
@@ -1082,7 +1084,7 @@
             <a:fld id="{1D8BD707-D9CF-40AE-B4C6-C98DA3205C09}" type="datetimeFigureOut">
               <a:rPr lang="en-US" smtClean="0"/>
               <a:pPr/>
-              <a:t>3/23/2024</a:t>
+              <a:t>3/31/2024</a:t>
             </a:fld>
             <a:endParaRPr lang="en-US"/>
           </a:p>
@@ -1364,7 +1366,7 @@
             <a:fld id="{1D8BD707-D9CF-40AE-B4C6-C98DA3205C09}" type="datetimeFigureOut">
               <a:rPr lang="en-US" smtClean="0"/>
               <a:pPr/>
-              <a:t>3/23/2024</a:t>
+              <a:t>3/31/2024</a:t>
             </a:fld>
             <a:endParaRPr lang="en-US"/>
           </a:p>
@@ -1780,7 +1782,7 @@
             <a:fld id="{1D8BD707-D9CF-40AE-B4C6-C98DA3205C09}" type="datetimeFigureOut">
               <a:rPr lang="en-US" smtClean="0"/>
               <a:pPr/>
-              <a:t>3/23/2024</a:t>
+              <a:t>3/31/2024</a:t>
             </a:fld>
             <a:endParaRPr lang="en-US"/>
           </a:p>
@@ -1894,7 +1896,7 @@
             <a:fld id="{1D8BD707-D9CF-40AE-B4C6-C98DA3205C09}" type="datetimeFigureOut">
               <a:rPr lang="en-US" smtClean="0"/>
               <a:pPr/>
-              <a:t>3/23/2024</a:t>
+              <a:t>3/31/2024</a:t>
             </a:fld>
             <a:endParaRPr lang="en-US"/>
           </a:p>
@@ -1986,7 +1988,7 @@
             <a:fld id="{1D8BD707-D9CF-40AE-B4C6-C98DA3205C09}" type="datetimeFigureOut">
               <a:rPr lang="en-US" smtClean="0"/>
               <a:pPr/>
-              <a:t>3/23/2024</a:t>
+              <a:t>3/31/2024</a:t>
             </a:fld>
             <a:endParaRPr lang="en-US"/>
           </a:p>
@@ -2258,7 +2260,7 @@
             <a:fld id="{1D8BD707-D9CF-40AE-B4C6-C98DA3205C09}" type="datetimeFigureOut">
               <a:rPr lang="en-US" smtClean="0"/>
               <a:pPr/>
-              <a:t>3/23/2024</a:t>
+              <a:t>3/31/2024</a:t>
             </a:fld>
             <a:endParaRPr lang="en-US"/>
           </a:p>
@@ -2507,7 +2509,7 @@
             <a:fld id="{1D8BD707-D9CF-40AE-B4C6-C98DA3205C09}" type="datetimeFigureOut">
               <a:rPr lang="en-US" smtClean="0"/>
               <a:pPr/>
-              <a:t>3/23/2024</a:t>
+              <a:t>3/31/2024</a:t>
             </a:fld>
             <a:endParaRPr lang="en-US"/>
           </a:p>
@@ -2715,7 +2717,7 @@
             <a:fld id="{1D8BD707-D9CF-40AE-B4C6-C98DA3205C09}" type="datetimeFigureOut">
               <a:rPr lang="en-US" smtClean="0"/>
               <a:pPr/>
-              <a:t>3/23/2024</a:t>
+              <a:t>3/31/2024</a:t>
             </a:fld>
             <a:endParaRPr lang="en-US"/>
           </a:p>
@@ -6737,6 +6739,433 @@
         </p:nvGrpSpPr>
         <p:grpSpPr>
           <a:xfrm>
+            <a:off x="841175" y="1189435"/>
+            <a:ext cx="16230600" cy="8229600"/>
+            <a:chOff x="0" y="0"/>
+            <a:chExt cx="4274726" cy="2167467"/>
+          </a:xfrm>
+        </p:grpSpPr>
+        <p:sp>
+          <p:nvSpPr>
+            <p:cNvPr id="4" name="Freeform 4"/>
+            <p:cNvSpPr/>
+            <p:nvPr/>
+          </p:nvSpPr>
+          <p:spPr>
+            <a:xfrm>
+              <a:off x="0" y="0"/>
+              <a:ext cx="4274726" cy="2167467"/>
+            </a:xfrm>
+            <a:custGeom>
+              <a:avLst/>
+              <a:gdLst/>
+              <a:ahLst/>
+              <a:cxnLst/>
+              <a:rect l="l" t="t" r="r" b="b"/>
+              <a:pathLst>
+                <a:path w="4274726" h="2167467">
+                  <a:moveTo>
+                    <a:pt x="24327" y="0"/>
+                  </a:moveTo>
+                  <a:lnTo>
+                    <a:pt x="4250399" y="0"/>
+                  </a:lnTo>
+                  <a:cubicBezTo>
+                    <a:pt x="4263834" y="0"/>
+                    <a:pt x="4274726" y="10891"/>
+                    <a:pt x="4274726" y="24327"/>
+                  </a:cubicBezTo>
+                  <a:lnTo>
+                    <a:pt x="4274726" y="2143140"/>
+                  </a:lnTo>
+                  <a:cubicBezTo>
+                    <a:pt x="4274726" y="2156575"/>
+                    <a:pt x="4263834" y="2167467"/>
+                    <a:pt x="4250399" y="2167467"/>
+                  </a:cubicBezTo>
+                  <a:lnTo>
+                    <a:pt x="24327" y="2167467"/>
+                  </a:lnTo>
+                  <a:cubicBezTo>
+                    <a:pt x="10891" y="2167467"/>
+                    <a:pt x="0" y="2156575"/>
+                    <a:pt x="0" y="2143140"/>
+                  </a:cubicBezTo>
+                  <a:lnTo>
+                    <a:pt x="0" y="24327"/>
+                  </a:lnTo>
+                  <a:cubicBezTo>
+                    <a:pt x="0" y="10891"/>
+                    <a:pt x="10891" y="0"/>
+                    <a:pt x="24327" y="0"/>
+                  </a:cubicBezTo>
+                  <a:close/>
+                </a:path>
+              </a:pathLst>
+            </a:custGeom>
+            <a:solidFill>
+              <a:srgbClr val="FBFBFB">
+                <a:alpha val="89804"/>
+              </a:srgbClr>
+            </a:solidFill>
+          </p:spPr>
+          <p:txBody>
+            <a:bodyPr/>
+            <a:lstStyle/>
+            <a:p>
+              <a:endParaRPr lang="en-IN" dirty="0"/>
+            </a:p>
+          </p:txBody>
+        </p:sp>
+        <p:sp>
+          <p:nvSpPr>
+            <p:cNvPr id="5" name="TextBox 5"/>
+            <p:cNvSpPr txBox="1"/>
+            <p:nvPr/>
+          </p:nvSpPr>
+          <p:spPr>
+            <a:xfrm>
+              <a:off x="0" y="-38100"/>
+              <a:ext cx="4274726" cy="2205567"/>
+            </a:xfrm>
+            <a:prstGeom prst="rect">
+              <a:avLst/>
+            </a:prstGeom>
+          </p:spPr>
+          <p:txBody>
+            <a:bodyPr lIns="50800" tIns="50800" rIns="50800" bIns="50800" rtlCol="0" anchor="ctr"/>
+            <a:lstStyle/>
+            <a:p>
+              <a:pPr algn="ctr">
+                <a:lnSpc>
+                  <a:spcPts val="2659"/>
+                </a:lnSpc>
+              </a:pPr>
+              <a:endParaRPr/>
+            </a:p>
+          </p:txBody>
+        </p:sp>
+      </p:grpSp>
+      <p:grpSp>
+        <p:nvGrpSpPr>
+          <p:cNvPr id="6" name="Group 6"/>
+          <p:cNvGrpSpPr/>
+          <p:nvPr/>
+        </p:nvGrpSpPr>
+        <p:grpSpPr>
+          <a:xfrm>
+            <a:off x="11601846" y="419788"/>
+            <a:ext cx="7163655" cy="1217823"/>
+            <a:chOff x="0" y="0"/>
+            <a:chExt cx="1886724" cy="320744"/>
+          </a:xfrm>
+        </p:grpSpPr>
+        <p:sp>
+          <p:nvSpPr>
+            <p:cNvPr id="7" name="Freeform 7"/>
+            <p:cNvSpPr/>
+            <p:nvPr/>
+          </p:nvSpPr>
+          <p:spPr>
+            <a:xfrm>
+              <a:off x="0" y="0"/>
+              <a:ext cx="1886724" cy="320744"/>
+            </a:xfrm>
+            <a:custGeom>
+              <a:avLst/>
+              <a:gdLst/>
+              <a:ahLst/>
+              <a:cxnLst/>
+              <a:rect l="l" t="t" r="r" b="b"/>
+              <a:pathLst>
+                <a:path w="1886724" h="320744">
+                  <a:moveTo>
+                    <a:pt x="55117" y="0"/>
+                  </a:moveTo>
+                  <a:lnTo>
+                    <a:pt x="1831607" y="0"/>
+                  </a:lnTo>
+                  <a:cubicBezTo>
+                    <a:pt x="1862047" y="0"/>
+                    <a:pt x="1886724" y="24677"/>
+                    <a:pt x="1886724" y="55117"/>
+                  </a:cubicBezTo>
+                  <a:lnTo>
+                    <a:pt x="1886724" y="265627"/>
+                  </a:lnTo>
+                  <a:cubicBezTo>
+                    <a:pt x="1886724" y="280245"/>
+                    <a:pt x="1880917" y="294264"/>
+                    <a:pt x="1870581" y="304600"/>
+                  </a:cubicBezTo>
+                  <a:cubicBezTo>
+                    <a:pt x="1860244" y="314937"/>
+                    <a:pt x="1846225" y="320744"/>
+                    <a:pt x="1831607" y="320744"/>
+                  </a:cubicBezTo>
+                  <a:lnTo>
+                    <a:pt x="55117" y="320744"/>
+                  </a:lnTo>
+                  <a:cubicBezTo>
+                    <a:pt x="40499" y="320744"/>
+                    <a:pt x="26480" y="314937"/>
+                    <a:pt x="16143" y="304600"/>
+                  </a:cubicBezTo>
+                  <a:cubicBezTo>
+                    <a:pt x="5807" y="294264"/>
+                    <a:pt x="0" y="280245"/>
+                    <a:pt x="0" y="265627"/>
+                  </a:cubicBezTo>
+                  <a:lnTo>
+                    <a:pt x="0" y="55117"/>
+                  </a:lnTo>
+                  <a:cubicBezTo>
+                    <a:pt x="0" y="40499"/>
+                    <a:pt x="5807" y="26480"/>
+                    <a:pt x="16143" y="16143"/>
+                  </a:cubicBezTo>
+                  <a:cubicBezTo>
+                    <a:pt x="26480" y="5807"/>
+                    <a:pt x="40499" y="0"/>
+                    <a:pt x="55117" y="0"/>
+                  </a:cubicBezTo>
+                  <a:close/>
+                </a:path>
+              </a:pathLst>
+            </a:custGeom>
+            <a:solidFill>
+              <a:srgbClr val="0D0F68"/>
+            </a:solidFill>
+          </p:spPr>
+        </p:sp>
+        <p:sp>
+          <p:nvSpPr>
+            <p:cNvPr id="8" name="TextBox 8"/>
+            <p:cNvSpPr txBox="1"/>
+            <p:nvPr/>
+          </p:nvSpPr>
+          <p:spPr>
+            <a:xfrm>
+              <a:off x="0" y="-38100"/>
+              <a:ext cx="1886724" cy="358844"/>
+            </a:xfrm>
+            <a:prstGeom prst="rect">
+              <a:avLst/>
+            </a:prstGeom>
+          </p:spPr>
+          <p:txBody>
+            <a:bodyPr lIns="50800" tIns="50800" rIns="50800" bIns="50800" rtlCol="0" anchor="ctr"/>
+            <a:lstStyle/>
+            <a:p>
+              <a:pPr algn="ctr">
+                <a:lnSpc>
+                  <a:spcPts val="2659"/>
+                </a:lnSpc>
+                <a:spcBef>
+                  <a:spcPct val="0"/>
+                </a:spcBef>
+              </a:pPr>
+              <a:endParaRPr/>
+            </a:p>
+          </p:txBody>
+        </p:sp>
+      </p:grpSp>
+      <p:sp>
+        <p:nvSpPr>
+          <p:cNvPr id="10" name="TextBox 10"/>
+          <p:cNvSpPr txBox="1"/>
+          <p:nvPr/>
+        </p:nvSpPr>
+        <p:spPr>
+          <a:xfrm>
+            <a:off x="1435754" y="1570937"/>
+            <a:ext cx="11709795" cy="692497"/>
+          </a:xfrm>
+          <a:prstGeom prst="rect">
+            <a:avLst/>
+          </a:prstGeom>
+        </p:spPr>
+        <p:txBody>
+          <a:bodyPr lIns="0" tIns="0" rIns="0" bIns="0" rtlCol="0" anchor="t">
+            <a:spAutoFit/>
+          </a:bodyPr>
+          <a:lstStyle/>
+          <a:p>
+            <a:pPr>
+              <a:lnSpc>
+                <a:spcPts val="5599"/>
+              </a:lnSpc>
+            </a:pPr>
+            <a:r>
+              <a:rPr lang="en-US" sz="3999" dirty="0">
+                <a:solidFill>
+                  <a:srgbClr val="0D0F68"/>
+                </a:solidFill>
+                <a:latin typeface="Garet Bold"/>
+              </a:rPr>
+              <a:t>CNN Model for combined dataset</a:t>
+            </a:r>
+          </a:p>
+        </p:txBody>
+      </p:sp>
+      <p:sp>
+        <p:nvSpPr>
+          <p:cNvPr id="11" name="TextBox 11"/>
+          <p:cNvSpPr txBox="1"/>
+          <p:nvPr/>
+        </p:nvSpPr>
+        <p:spPr>
+          <a:xfrm>
+            <a:off x="11760772" y="600075"/>
+            <a:ext cx="6492683" cy="771525"/>
+          </a:xfrm>
+          <a:prstGeom prst="rect">
+            <a:avLst/>
+          </a:prstGeom>
+        </p:spPr>
+        <p:txBody>
+          <a:bodyPr lIns="0" tIns="0" rIns="0" bIns="0" rtlCol="0" anchor="t">
+            <a:spAutoFit/>
+          </a:bodyPr>
+          <a:lstStyle/>
+          <a:p>
+            <a:pPr algn="ctr">
+              <a:lnSpc>
+                <a:spcPts val="6299"/>
+              </a:lnSpc>
+            </a:pPr>
+            <a:r>
+              <a:rPr lang="en-US" sz="4500">
+                <a:solidFill>
+                  <a:srgbClr val="FFFFFF"/>
+                </a:solidFill>
+                <a:latin typeface="Yeseva One Bold"/>
+              </a:rPr>
+              <a:t>Implementation</a:t>
+            </a:r>
+          </a:p>
+        </p:txBody>
+      </p:sp>
+      <p:pic>
+        <p:nvPicPr>
+          <p:cNvPr id="13" name="Picture 12">
+            <a:extLst>
+              <a:ext uri="{FF2B5EF4-FFF2-40B4-BE49-F238E27FC236}">
+                <a16:creationId xmlns:a16="http://schemas.microsoft.com/office/drawing/2014/main" id="{AFEF8D83-DB87-6DB8-CEC9-1632C475412A}"/>
+              </a:ext>
+            </a:extLst>
+          </p:cNvPr>
+          <p:cNvPicPr>
+            <a:picLocks noChangeAspect="1"/>
+          </p:cNvPicPr>
+          <p:nvPr/>
+        </p:nvPicPr>
+        <p:blipFill>
+          <a:blip r:embed="rId3">
+            <a:extLst>
+              <a:ext uri="{28A0092B-C50C-407E-A947-70E740481C1C}">
+                <a14:useLocalDpi xmlns:a14="http://schemas.microsoft.com/office/drawing/2010/main" val="0"/>
+              </a:ext>
+            </a:extLst>
+          </a:blip>
+          <a:stretch>
+            <a:fillRect/>
+          </a:stretch>
+        </p:blipFill>
+        <p:spPr>
+          <a:xfrm>
+            <a:off x="1676400" y="2496038"/>
+            <a:ext cx="9067800" cy="7367696"/>
+          </a:xfrm>
+          <a:prstGeom prst="rect">
+            <a:avLst/>
+          </a:prstGeom>
+        </p:spPr>
+      </p:pic>
+    </p:spTree>
+    <p:extLst>
+      <p:ext uri="{BB962C8B-B14F-4D97-AF65-F5344CB8AC3E}">
+        <p14:creationId xmlns:p14="http://schemas.microsoft.com/office/powerpoint/2010/main" val="4121491965"/>
+      </p:ext>
+    </p:extLst>
+  </p:cSld>
+  <p:clrMapOvr>
+    <a:masterClrMapping/>
+  </p:clrMapOvr>
+</p:sld>
+</file>
+
+<file path=ppt/slides/slide18.xml><?xml version="1.0" encoding="utf-8"?>
+<p:sld xmlns:a="http://schemas.openxmlformats.org/drawingml/2006/main" xmlns:r="http://schemas.openxmlformats.org/officeDocument/2006/relationships" xmlns:p="http://schemas.openxmlformats.org/presentationml/2006/main">
+  <p:cSld>
+    <p:spTree>
+      <p:nvGrpSpPr>
+        <p:cNvPr id="1" name=""/>
+        <p:cNvGrpSpPr/>
+        <p:nvPr/>
+      </p:nvGrpSpPr>
+      <p:grpSpPr>
+        <a:xfrm>
+          <a:off x="0" y="0"/>
+          <a:ext cx="0" cy="0"/>
+          <a:chOff x="0" y="0"/>
+          <a:chExt cx="0" cy="0"/>
+        </a:xfrm>
+      </p:grpSpPr>
+      <p:sp>
+        <p:nvSpPr>
+          <p:cNvPr id="2" name="Freeform 2"/>
+          <p:cNvSpPr/>
+          <p:nvPr/>
+        </p:nvSpPr>
+        <p:spPr>
+          <a:xfrm>
+            <a:off x="0" y="0"/>
+            <a:ext cx="18288000" cy="10287000"/>
+          </a:xfrm>
+          <a:custGeom>
+            <a:avLst/>
+            <a:gdLst/>
+            <a:ahLst/>
+            <a:cxnLst/>
+            <a:rect l="l" t="t" r="r" b="b"/>
+            <a:pathLst>
+              <a:path w="18288000" h="10287000">
+                <a:moveTo>
+                  <a:pt x="0" y="0"/>
+                </a:moveTo>
+                <a:lnTo>
+                  <a:pt x="18288000" y="0"/>
+                </a:lnTo>
+                <a:lnTo>
+                  <a:pt x="18288000" y="10287000"/>
+                </a:lnTo>
+                <a:lnTo>
+                  <a:pt x="0" y="10287000"/>
+                </a:lnTo>
+                <a:lnTo>
+                  <a:pt x="0" y="0"/>
+                </a:lnTo>
+                <a:close/>
+              </a:path>
+            </a:pathLst>
+          </a:custGeom>
+          <a:blipFill>
+            <a:blip r:embed="rId2"/>
+            <a:stretch>
+              <a:fillRect/>
+            </a:stretch>
+          </a:blipFill>
+        </p:spPr>
+      </p:sp>
+      <p:grpSp>
+        <p:nvGrpSpPr>
+          <p:cNvPr id="3" name="Group 3"/>
+          <p:cNvGrpSpPr/>
+          <p:nvPr/>
+        </p:nvGrpSpPr>
+        <p:grpSpPr>
+          <a:xfrm>
             <a:off x="1028700" y="1028700"/>
             <a:ext cx="16230600" cy="8229600"/>
             <a:chOff x="0" y="0"/>
@@ -7138,7 +7567,7 @@
 </p:sld>
 </file>
 
-<file path=ppt/slides/slide18.xml><?xml version="1.0" encoding="utf-8"?>
+<file path=ppt/slides/slide19.xml><?xml version="1.0" encoding="utf-8"?>
 <p:sld xmlns:a="http://schemas.openxmlformats.org/drawingml/2006/main" xmlns:r="http://schemas.openxmlformats.org/officeDocument/2006/relationships" xmlns:p="http://schemas.openxmlformats.org/presentationml/2006/main">
   <p:cSld>
     <p:spTree>
@@ -7435,14 +7864,14 @@
       </p:grpSp>
       <p:sp>
         <p:nvSpPr>
-          <p:cNvPr id="9" name="TextBox 9"/>
+          <p:cNvPr id="10" name="TextBox 10"/>
           <p:cNvSpPr txBox="1"/>
           <p:nvPr/>
         </p:nvSpPr>
         <p:spPr>
           <a:xfrm>
-            <a:off x="12446545" y="600075"/>
-            <a:ext cx="5474256" cy="771525"/>
+            <a:off x="1435754" y="1589987"/>
+            <a:ext cx="11709795" cy="555921"/>
           </a:xfrm>
           <a:prstGeom prst="rect">
             <a:avLst/>
@@ -7454,34 +7883,33 @@
           </a:bodyPr>
           <a:lstStyle/>
           <a:p>
-            <a:pPr algn="ctr">
+            <a:pPr>
               <a:lnSpc>
-                <a:spcPts val="6299"/>
+                <a:spcPts val="4480"/>
               </a:lnSpc>
             </a:pPr>
             <a:r>
-              <a:rPr lang="en-US" sz="4500">
+              <a:rPr lang="en-US" sz="3200" dirty="0">
                 <a:solidFill>
-                  <a:srgbClr val="FFFFFF"/>
+                  <a:srgbClr val="0D0F68"/>
                 </a:solidFill>
-                <a:latin typeface="Yeseva One Bold"/>
-                <a:ea typeface="Yeseva One Bold"/>
+                <a:latin typeface="Garet Bold"/>
               </a:rPr>
-              <a:t>﻿Conclusion</a:t>
+              <a:t>GUI Implementation</a:t>
             </a:r>
           </a:p>
         </p:txBody>
       </p:sp>
       <p:sp>
         <p:nvSpPr>
-          <p:cNvPr id="10" name="TextBox 10"/>
+          <p:cNvPr id="11" name="TextBox 11"/>
           <p:cNvSpPr txBox="1"/>
           <p:nvPr/>
         </p:nvSpPr>
         <p:spPr>
           <a:xfrm>
-            <a:off x="1165150" y="2622396"/>
-            <a:ext cx="1603265" cy="1047750"/>
+            <a:off x="11760772" y="600075"/>
+            <a:ext cx="6492683" cy="771525"/>
           </a:xfrm>
           <a:prstGeom prst="rect">
             <a:avLst/>
@@ -7495,293 +7923,27 @@
           <a:p>
             <a:pPr algn="ctr">
               <a:lnSpc>
-                <a:spcPts val="8400"/>
+                <a:spcPts val="6299"/>
               </a:lnSpc>
             </a:pPr>
             <a:r>
-              <a:rPr lang="en-US" sz="6000">
+              <a:rPr lang="en-US" sz="4500">
                 <a:solidFill>
-                  <a:srgbClr val="0D0F68"/>
+                  <a:srgbClr val="FFFFFF"/>
                 </a:solidFill>
-                <a:latin typeface="Yeseva One"/>
+                <a:latin typeface="Yeseva One Bold"/>
               </a:rPr>
-              <a:t>01</a:t>
-            </a:r>
-          </a:p>
-        </p:txBody>
-      </p:sp>
-      <p:sp>
-        <p:nvSpPr>
-          <p:cNvPr id="11" name="TextBox 11"/>
-          <p:cNvSpPr txBox="1"/>
-          <p:nvPr/>
-        </p:nvSpPr>
-        <p:spPr>
-          <a:xfrm>
-            <a:off x="2768415" y="2317596"/>
-            <a:ext cx="6884580" cy="2647950"/>
-          </a:xfrm>
-          <a:prstGeom prst="rect">
-            <a:avLst/>
-          </a:prstGeom>
-        </p:spPr>
-        <p:txBody>
-          <a:bodyPr lIns="0" tIns="0" rIns="0" bIns="0" rtlCol="0" anchor="t">
-            <a:spAutoFit/>
-          </a:bodyPr>
-          <a:lstStyle/>
-          <a:p>
-            <a:pPr>
-              <a:lnSpc>
-                <a:spcPts val="4200"/>
-              </a:lnSpc>
-            </a:pPr>
-            <a:r>
-              <a:rPr lang="en-US" sz="3000">
-                <a:solidFill>
-                  <a:srgbClr val="0D0F68"/>
-                </a:solidFill>
-                <a:latin typeface="Garet"/>
-              </a:rPr>
-              <a:t>Utilized Red Pitaya STEMLAB board and Ultrasonic sensor SRF02 to locate the first echo from ultrasonic waves, revealing varied behavior with different materials.</a:t>
-            </a:r>
-          </a:p>
-        </p:txBody>
-      </p:sp>
-      <p:sp>
-        <p:nvSpPr>
-          <p:cNvPr id="12" name="TextBox 12"/>
-          <p:cNvSpPr txBox="1"/>
-          <p:nvPr/>
-        </p:nvSpPr>
-        <p:spPr>
-          <a:xfrm>
-            <a:off x="1165150" y="5682667"/>
-            <a:ext cx="1603265" cy="1047750"/>
-          </a:xfrm>
-          <a:prstGeom prst="rect">
-            <a:avLst/>
-          </a:prstGeom>
-        </p:spPr>
-        <p:txBody>
-          <a:bodyPr lIns="0" tIns="0" rIns="0" bIns="0" rtlCol="0" anchor="t">
-            <a:spAutoFit/>
-          </a:bodyPr>
-          <a:lstStyle/>
-          <a:p>
-            <a:pPr algn="ctr">
-              <a:lnSpc>
-                <a:spcPts val="8400"/>
-              </a:lnSpc>
-            </a:pPr>
-            <a:r>
-              <a:rPr lang="en-US" sz="6000">
-                <a:solidFill>
-                  <a:srgbClr val="0D0F68"/>
-                </a:solidFill>
-                <a:latin typeface="Yeseva One"/>
-              </a:rPr>
-              <a:t>03</a:t>
-            </a:r>
-          </a:p>
-        </p:txBody>
-      </p:sp>
-      <p:sp>
-        <p:nvSpPr>
-          <p:cNvPr id="13" name="TextBox 13"/>
-          <p:cNvSpPr txBox="1"/>
-          <p:nvPr/>
-        </p:nvSpPr>
-        <p:spPr>
-          <a:xfrm>
-            <a:off x="2768415" y="5492167"/>
-            <a:ext cx="6375585" cy="3181350"/>
-          </a:xfrm>
-          <a:prstGeom prst="rect">
-            <a:avLst/>
-          </a:prstGeom>
-        </p:spPr>
-        <p:txBody>
-          <a:bodyPr lIns="0" tIns="0" rIns="0" bIns="0" rtlCol="0" anchor="t">
-            <a:spAutoFit/>
-          </a:bodyPr>
-          <a:lstStyle/>
-          <a:p>
-            <a:pPr>
-              <a:lnSpc>
-                <a:spcPts val="4200"/>
-              </a:lnSpc>
-            </a:pPr>
-            <a:r>
-              <a:rPr lang="en-US" sz="3000">
-                <a:solidFill>
-                  <a:srgbClr val="0D0F68"/>
-                </a:solidFill>
-                <a:latin typeface="Garet"/>
-              </a:rPr>
-              <a:t>Highlighted the significance of parameter tuning, particularly window size, in balancing accuracy and computational efficiency in signal processing and machine learning tasks.</a:t>
-            </a:r>
-          </a:p>
-        </p:txBody>
-      </p:sp>
-      <p:sp>
-        <p:nvSpPr>
-          <p:cNvPr id="14" name="TextBox 14"/>
-          <p:cNvSpPr txBox="1"/>
-          <p:nvPr/>
-        </p:nvSpPr>
-        <p:spPr>
-          <a:xfrm>
-            <a:off x="9144000" y="2641446"/>
-            <a:ext cx="1603265" cy="946150"/>
-          </a:xfrm>
-          <a:prstGeom prst="rect">
-            <a:avLst/>
-          </a:prstGeom>
-        </p:spPr>
-        <p:txBody>
-          <a:bodyPr lIns="0" tIns="0" rIns="0" bIns="0" rtlCol="0" anchor="t">
-            <a:spAutoFit/>
-          </a:bodyPr>
-          <a:lstStyle/>
-          <a:p>
-            <a:pPr algn="ctr">
-              <a:lnSpc>
-                <a:spcPts val="7700"/>
-              </a:lnSpc>
-            </a:pPr>
-            <a:r>
-              <a:rPr lang="en-US" sz="5500">
-                <a:solidFill>
-                  <a:srgbClr val="0D0F68"/>
-                </a:solidFill>
-                <a:latin typeface="Yeseva One"/>
-              </a:rPr>
-              <a:t>02</a:t>
-            </a:r>
-          </a:p>
-        </p:txBody>
-      </p:sp>
-      <p:sp>
-        <p:nvSpPr>
-          <p:cNvPr id="15" name="TextBox 15"/>
-          <p:cNvSpPr txBox="1"/>
-          <p:nvPr/>
-        </p:nvSpPr>
-        <p:spPr>
-          <a:xfrm>
-            <a:off x="10747265" y="2107908"/>
-            <a:ext cx="7173536" cy="2647950"/>
-          </a:xfrm>
-          <a:prstGeom prst="rect">
-            <a:avLst/>
-          </a:prstGeom>
-        </p:spPr>
-        <p:txBody>
-          <a:bodyPr lIns="0" tIns="0" rIns="0" bIns="0" rtlCol="0" anchor="t">
-            <a:spAutoFit/>
-          </a:bodyPr>
-          <a:lstStyle/>
-          <a:p>
-            <a:pPr>
-              <a:lnSpc>
-                <a:spcPts val="4200"/>
-              </a:lnSpc>
-            </a:pPr>
-            <a:r>
-              <a:rPr lang="en-US" sz="3000">
-                <a:solidFill>
-                  <a:srgbClr val="0D0F68"/>
-                </a:solidFill>
-                <a:latin typeface="Garet"/>
-              </a:rPr>
-              <a:t>Comparative analysis of CNN, Random Forest, and XGBoost models on the 1m dataset provided insights into their strengths and weaknesses</a:t>
-            </a:r>
-          </a:p>
-        </p:txBody>
-      </p:sp>
-      <p:sp>
-        <p:nvSpPr>
-          <p:cNvPr id="16" name="TextBox 16"/>
-          <p:cNvSpPr txBox="1"/>
-          <p:nvPr/>
-        </p:nvSpPr>
-        <p:spPr>
-          <a:xfrm>
-            <a:off x="9144000" y="5682667"/>
-            <a:ext cx="1603265" cy="1047750"/>
-          </a:xfrm>
-          <a:prstGeom prst="rect">
-            <a:avLst/>
-          </a:prstGeom>
-        </p:spPr>
-        <p:txBody>
-          <a:bodyPr lIns="0" tIns="0" rIns="0" bIns="0" rtlCol="0" anchor="t">
-            <a:spAutoFit/>
-          </a:bodyPr>
-          <a:lstStyle/>
-          <a:p>
-            <a:pPr algn="ctr">
-              <a:lnSpc>
-                <a:spcPts val="8400"/>
-              </a:lnSpc>
-            </a:pPr>
-            <a:r>
-              <a:rPr lang="en-US" sz="6000">
-                <a:solidFill>
-                  <a:srgbClr val="0D0F68"/>
-                </a:solidFill>
-                <a:latin typeface="Yeseva One"/>
-              </a:rPr>
-              <a:t>04</a:t>
-            </a:r>
-          </a:p>
-        </p:txBody>
-      </p:sp>
-      <p:sp>
-        <p:nvSpPr>
-          <p:cNvPr id="17" name="TextBox 17"/>
-          <p:cNvSpPr txBox="1"/>
-          <p:nvPr/>
-        </p:nvSpPr>
-        <p:spPr>
-          <a:xfrm>
-            <a:off x="10747265" y="5492167"/>
-            <a:ext cx="6964948" cy="3714750"/>
-          </a:xfrm>
-          <a:prstGeom prst="rect">
-            <a:avLst/>
-          </a:prstGeom>
-        </p:spPr>
-        <p:txBody>
-          <a:bodyPr lIns="0" tIns="0" rIns="0" bIns="0" rtlCol="0" anchor="t">
-            <a:spAutoFit/>
-          </a:bodyPr>
-          <a:lstStyle/>
-          <a:p>
-            <a:pPr>
-              <a:lnSpc>
-                <a:spcPts val="4200"/>
-              </a:lnSpc>
-            </a:pPr>
-            <a:r>
-              <a:rPr lang="en-US" sz="3000">
-                <a:solidFill>
-                  <a:srgbClr val="0D0F68"/>
-                </a:solidFill>
-                <a:latin typeface="Garet"/>
-              </a:rPr>
-              <a:t> Identified the potential for improving classification rates by augmenting training data volume and considering the use of larger, pre-trained models to enhance precision in predicting the first echo.</a:t>
+              <a:t>Implementation</a:t>
             </a:r>
           </a:p>
         </p:txBody>
       </p:sp>
       <p:pic>
         <p:nvPicPr>
-          <p:cNvPr id="18" name="Picture 2" descr="campUAS">
+          <p:cNvPr id="12" name="Picture 2" descr="campUAS">
             <a:extLst>
               <a:ext uri="{FF2B5EF4-FFF2-40B4-BE49-F238E27FC236}">
-                <a16:creationId xmlns:a16="http://schemas.microsoft.com/office/drawing/2014/main" id="{0D7BC12F-EB49-15AA-169F-D66E19CF9151}"/>
+                <a16:creationId xmlns:a16="http://schemas.microsoft.com/office/drawing/2014/main" id="{2486F6BB-BC23-25F3-CCCA-4AC639E266F2}"/>
               </a:ext>
             </a:extLst>
           </p:cNvPr>
@@ -7823,163 +7985,84 @@
           </a:extLst>
         </p:spPr>
       </p:pic>
-    </p:spTree>
-  </p:cSld>
-  <p:clrMapOvr>
-    <a:masterClrMapping/>
-  </p:clrMapOvr>
-</p:sld>
-</file>
-
-<file path=ppt/slides/slide19.xml><?xml version="1.0" encoding="utf-8"?>
-<p:sld xmlns:a="http://schemas.openxmlformats.org/drawingml/2006/main" xmlns:r="http://schemas.openxmlformats.org/officeDocument/2006/relationships" xmlns:p="http://schemas.openxmlformats.org/presentationml/2006/main">
-  <p:cSld>
-    <p:spTree>
-      <p:nvGrpSpPr>
-        <p:cNvPr id="1" name=""/>
-        <p:cNvGrpSpPr/>
-        <p:nvPr/>
-      </p:nvGrpSpPr>
-      <p:grpSpPr>
-        <a:xfrm>
-          <a:off x="0" y="0"/>
-          <a:ext cx="0" cy="0"/>
-          <a:chOff x="0" y="0"/>
-          <a:chExt cx="0" cy="0"/>
-        </a:xfrm>
-      </p:grpSpPr>
-      <p:sp>
-        <p:nvSpPr>
-          <p:cNvPr id="2" name="Freeform 2"/>
-          <p:cNvSpPr/>
-          <p:nvPr/>
-        </p:nvSpPr>
-        <p:spPr>
-          <a:xfrm flipH="1">
-            <a:off x="0" y="7881"/>
-            <a:ext cx="18288000" cy="10287000"/>
-          </a:xfrm>
-          <a:custGeom>
-            <a:avLst/>
-            <a:gdLst/>
-            <a:ahLst/>
-            <a:cxnLst/>
-            <a:rect l="l" t="t" r="r" b="b"/>
-            <a:pathLst>
-              <a:path w="18288000" h="10287000">
-                <a:moveTo>
-                  <a:pt x="18288000" y="0"/>
-                </a:moveTo>
-                <a:lnTo>
-                  <a:pt x="0" y="0"/>
-                </a:lnTo>
-                <a:lnTo>
-                  <a:pt x="0" y="10287000"/>
-                </a:lnTo>
-                <a:lnTo>
-                  <a:pt x="18288000" y="10287000"/>
-                </a:lnTo>
-                <a:lnTo>
-                  <a:pt x="18288000" y="0"/>
-                </a:lnTo>
-                <a:close/>
-              </a:path>
-            </a:pathLst>
-          </a:custGeom>
-          <a:blipFill>
-            <a:blip r:embed="rId2"/>
-            <a:stretch>
-              <a:fillRect/>
-            </a:stretch>
-          </a:blipFill>
-        </p:spPr>
-      </p:sp>
-      <p:sp>
-        <p:nvSpPr>
-          <p:cNvPr id="4" name="TextBox 4"/>
-          <p:cNvSpPr txBox="1"/>
-          <p:nvPr/>
-        </p:nvSpPr>
-        <p:spPr>
-          <a:xfrm>
-            <a:off x="1804359" y="4558708"/>
-            <a:ext cx="14679282" cy="2008403"/>
-          </a:xfrm>
-          <a:prstGeom prst="rect">
-            <a:avLst/>
-          </a:prstGeom>
-        </p:spPr>
-        <p:txBody>
-          <a:bodyPr lIns="0" tIns="0" rIns="0" bIns="0" rtlCol="0" anchor="t">
-            <a:spAutoFit/>
-          </a:bodyPr>
-          <a:lstStyle/>
-          <a:p>
-            <a:pPr algn="ctr">
-              <a:lnSpc>
-                <a:spcPts val="16350"/>
-              </a:lnSpc>
-            </a:pPr>
-            <a:r>
-              <a:rPr lang="en-US" sz="11679">
-                <a:solidFill>
-                  <a:srgbClr val="0D0F68"/>
-                </a:solidFill>
-                <a:latin typeface="Yeseva One"/>
-              </a:rPr>
-              <a:t>Thank You</a:t>
-            </a:r>
-          </a:p>
-        </p:txBody>
-      </p:sp>
       <p:pic>
         <p:nvPicPr>
-          <p:cNvPr id="7" name="Picture 2" descr="campUAS">
+          <p:cNvPr id="14" name="Picture 13">
             <a:extLst>
               <a:ext uri="{FF2B5EF4-FFF2-40B4-BE49-F238E27FC236}">
-                <a16:creationId xmlns:a16="http://schemas.microsoft.com/office/drawing/2014/main" id="{0B68B698-9A4A-6495-CE8B-C6C4AF2A53A4}"/>
+                <a16:creationId xmlns:a16="http://schemas.microsoft.com/office/drawing/2014/main" id="{45C12ED1-F1C2-FE3F-25D7-006BCAD34491}"/>
               </a:ext>
             </a:extLst>
           </p:cNvPr>
           <p:cNvPicPr>
-            <a:picLocks noChangeAspect="1" noChangeArrowheads="1"/>
+            <a:picLocks noChangeAspect="1"/>
           </p:cNvPicPr>
           <p:nvPr/>
         </p:nvPicPr>
         <p:blipFill>
-          <a:blip r:embed="rId3">
+          <a:blip r:embed="rId4">
             <a:extLst>
               <a:ext uri="{28A0092B-C50C-407E-A947-70E740481C1C}">
                 <a14:useLocalDpi xmlns:a14="http://schemas.microsoft.com/office/drawing/2010/main" val="0"/>
               </a:ext>
             </a:extLst>
           </a:blip>
-          <a:srcRect/>
           <a:stretch>
             <a:fillRect/>
           </a:stretch>
         </p:blipFill>
-        <p:spPr bwMode="auto">
-          <a:xfrm>
-            <a:off x="30118" y="398953"/>
-            <a:ext cx="2762250" cy="1190625"/>
+        <p:spPr>
+          <a:xfrm>
+            <a:off x="11210431" y="1907975"/>
+            <a:ext cx="5867399" cy="7618863"/>
           </a:xfrm>
           <a:prstGeom prst="rect">
             <a:avLst/>
           </a:prstGeom>
-          <a:noFill/>
-          <a:extLst>
-            <a:ext uri="{909E8E84-426E-40DD-AFC4-6F175D3DCCD1}">
-              <a14:hiddenFill xmlns:a14="http://schemas.microsoft.com/office/drawing/2010/main">
-                <a:solidFill>
-                  <a:srgbClr val="FFFFFF"/>
-                </a:solidFill>
-              </a14:hiddenFill>
-            </a:ext>
-          </a:extLst>
+        </p:spPr>
+      </p:pic>
+      <p:pic>
+        <p:nvPicPr>
+          <p:cNvPr id="16" name="Picture 15">
+            <a:extLst>
+              <a:ext uri="{FF2B5EF4-FFF2-40B4-BE49-F238E27FC236}">
+                <a16:creationId xmlns:a16="http://schemas.microsoft.com/office/drawing/2014/main" id="{CAFE6912-ABA1-01C6-B191-0BDEA5D3B52C}"/>
+              </a:ext>
+            </a:extLst>
+          </p:cNvPr>
+          <p:cNvPicPr>
+            <a:picLocks noChangeAspect="1"/>
+          </p:cNvPicPr>
+          <p:nvPr/>
+        </p:nvPicPr>
+        <p:blipFill>
+          <a:blip r:embed="rId5">
+            <a:extLst>
+              <a:ext uri="{28A0092B-C50C-407E-A947-70E740481C1C}">
+                <a14:useLocalDpi xmlns:a14="http://schemas.microsoft.com/office/drawing/2010/main" val="0"/>
+              </a:ext>
+            </a:extLst>
+          </a:blip>
+          <a:stretch>
+            <a:fillRect/>
+          </a:stretch>
+        </p:blipFill>
+        <p:spPr>
+          <a:xfrm>
+            <a:off x="1450041" y="3314700"/>
+            <a:ext cx="7804851" cy="5515163"/>
+          </a:xfrm>
+          <a:prstGeom prst="rect">
+            <a:avLst/>
+          </a:prstGeom>
         </p:spPr>
       </p:pic>
     </p:spTree>
+    <p:extLst>
+      <p:ext uri="{BB962C8B-B14F-4D97-AF65-F5344CB8AC3E}">
+        <p14:creationId xmlns:p14="http://schemas.microsoft.com/office/powerpoint/2010/main" val="1289363963"/>
+      </p:ext>
+    </p:extLst>
   </p:cSld>
   <p:clrMapOvr>
     <a:masterClrMapping/>
@@ -9500,6 +9583,855 @@
             <a:extLst>
               <a:ext uri="{FF2B5EF4-FFF2-40B4-BE49-F238E27FC236}">
                 <a16:creationId xmlns:a16="http://schemas.microsoft.com/office/drawing/2014/main" id="{5007CB62-8580-97C8-BCD2-A7A365918CDC}"/>
+              </a:ext>
+            </a:extLst>
+          </p:cNvPr>
+          <p:cNvPicPr>
+            <a:picLocks noChangeAspect="1" noChangeArrowheads="1"/>
+          </p:cNvPicPr>
+          <p:nvPr/>
+        </p:nvPicPr>
+        <p:blipFill>
+          <a:blip r:embed="rId3">
+            <a:extLst>
+              <a:ext uri="{28A0092B-C50C-407E-A947-70E740481C1C}">
+                <a14:useLocalDpi xmlns:a14="http://schemas.microsoft.com/office/drawing/2010/main" val="0"/>
+              </a:ext>
+            </a:extLst>
+          </a:blip>
+          <a:srcRect/>
+          <a:stretch>
+            <a:fillRect/>
+          </a:stretch>
+        </p:blipFill>
+        <p:spPr bwMode="auto">
+          <a:xfrm>
+            <a:off x="30118" y="398953"/>
+            <a:ext cx="2762250" cy="1190625"/>
+          </a:xfrm>
+          <a:prstGeom prst="rect">
+            <a:avLst/>
+          </a:prstGeom>
+          <a:noFill/>
+          <a:extLst>
+            <a:ext uri="{909E8E84-426E-40DD-AFC4-6F175D3DCCD1}">
+              <a14:hiddenFill xmlns:a14="http://schemas.microsoft.com/office/drawing/2010/main">
+                <a:solidFill>
+                  <a:srgbClr val="FFFFFF"/>
+                </a:solidFill>
+              </a14:hiddenFill>
+            </a:ext>
+          </a:extLst>
+        </p:spPr>
+      </p:pic>
+    </p:spTree>
+  </p:cSld>
+  <p:clrMapOvr>
+    <a:masterClrMapping/>
+  </p:clrMapOvr>
+</p:sld>
+</file>
+
+<file path=ppt/slides/slide20.xml><?xml version="1.0" encoding="utf-8"?>
+<p:sld xmlns:a="http://schemas.openxmlformats.org/drawingml/2006/main" xmlns:r="http://schemas.openxmlformats.org/officeDocument/2006/relationships" xmlns:p="http://schemas.openxmlformats.org/presentationml/2006/main">
+  <p:cSld>
+    <p:spTree>
+      <p:nvGrpSpPr>
+        <p:cNvPr id="1" name=""/>
+        <p:cNvGrpSpPr/>
+        <p:nvPr/>
+      </p:nvGrpSpPr>
+      <p:grpSpPr>
+        <a:xfrm>
+          <a:off x="0" y="0"/>
+          <a:ext cx="0" cy="0"/>
+          <a:chOff x="0" y="0"/>
+          <a:chExt cx="0" cy="0"/>
+        </a:xfrm>
+      </p:grpSpPr>
+      <p:sp>
+        <p:nvSpPr>
+          <p:cNvPr id="2" name="Freeform 2"/>
+          <p:cNvSpPr/>
+          <p:nvPr/>
+        </p:nvSpPr>
+        <p:spPr>
+          <a:xfrm>
+            <a:off x="0" y="0"/>
+            <a:ext cx="18288000" cy="10287000"/>
+          </a:xfrm>
+          <a:custGeom>
+            <a:avLst/>
+            <a:gdLst/>
+            <a:ahLst/>
+            <a:cxnLst/>
+            <a:rect l="l" t="t" r="r" b="b"/>
+            <a:pathLst>
+              <a:path w="18288000" h="10287000">
+                <a:moveTo>
+                  <a:pt x="0" y="0"/>
+                </a:moveTo>
+                <a:lnTo>
+                  <a:pt x="18288000" y="0"/>
+                </a:lnTo>
+                <a:lnTo>
+                  <a:pt x="18288000" y="10287000"/>
+                </a:lnTo>
+                <a:lnTo>
+                  <a:pt x="0" y="10287000"/>
+                </a:lnTo>
+                <a:lnTo>
+                  <a:pt x="0" y="0"/>
+                </a:lnTo>
+                <a:close/>
+              </a:path>
+            </a:pathLst>
+          </a:custGeom>
+          <a:blipFill>
+            <a:blip r:embed="rId2"/>
+            <a:stretch>
+              <a:fillRect/>
+            </a:stretch>
+          </a:blipFill>
+        </p:spPr>
+      </p:sp>
+      <p:grpSp>
+        <p:nvGrpSpPr>
+          <p:cNvPr id="3" name="Group 3"/>
+          <p:cNvGrpSpPr/>
+          <p:nvPr/>
+        </p:nvGrpSpPr>
+        <p:grpSpPr>
+          <a:xfrm>
+            <a:off x="1028700" y="1028700"/>
+            <a:ext cx="16230600" cy="8229600"/>
+            <a:chOff x="0" y="0"/>
+            <a:chExt cx="4274726" cy="2167467"/>
+          </a:xfrm>
+        </p:grpSpPr>
+        <p:sp>
+          <p:nvSpPr>
+            <p:cNvPr id="4" name="Freeform 4"/>
+            <p:cNvSpPr/>
+            <p:nvPr/>
+          </p:nvSpPr>
+          <p:spPr>
+            <a:xfrm>
+              <a:off x="0" y="0"/>
+              <a:ext cx="4274726" cy="2167467"/>
+            </a:xfrm>
+            <a:custGeom>
+              <a:avLst/>
+              <a:gdLst/>
+              <a:ahLst/>
+              <a:cxnLst/>
+              <a:rect l="l" t="t" r="r" b="b"/>
+              <a:pathLst>
+                <a:path w="4274726" h="2167467">
+                  <a:moveTo>
+                    <a:pt x="24327" y="0"/>
+                  </a:moveTo>
+                  <a:lnTo>
+                    <a:pt x="4250399" y="0"/>
+                  </a:lnTo>
+                  <a:cubicBezTo>
+                    <a:pt x="4263834" y="0"/>
+                    <a:pt x="4274726" y="10891"/>
+                    <a:pt x="4274726" y="24327"/>
+                  </a:cubicBezTo>
+                  <a:lnTo>
+                    <a:pt x="4274726" y="2143140"/>
+                  </a:lnTo>
+                  <a:cubicBezTo>
+                    <a:pt x="4274726" y="2156575"/>
+                    <a:pt x="4263834" y="2167467"/>
+                    <a:pt x="4250399" y="2167467"/>
+                  </a:cubicBezTo>
+                  <a:lnTo>
+                    <a:pt x="24327" y="2167467"/>
+                  </a:lnTo>
+                  <a:cubicBezTo>
+                    <a:pt x="10891" y="2167467"/>
+                    <a:pt x="0" y="2156575"/>
+                    <a:pt x="0" y="2143140"/>
+                  </a:cubicBezTo>
+                  <a:lnTo>
+                    <a:pt x="0" y="24327"/>
+                  </a:lnTo>
+                  <a:cubicBezTo>
+                    <a:pt x="0" y="10891"/>
+                    <a:pt x="10891" y="0"/>
+                    <a:pt x="24327" y="0"/>
+                  </a:cubicBezTo>
+                  <a:close/>
+                </a:path>
+              </a:pathLst>
+            </a:custGeom>
+            <a:solidFill>
+              <a:srgbClr val="FBFBFB">
+                <a:alpha val="89804"/>
+              </a:srgbClr>
+            </a:solidFill>
+          </p:spPr>
+        </p:sp>
+        <p:sp>
+          <p:nvSpPr>
+            <p:cNvPr id="5" name="TextBox 5"/>
+            <p:cNvSpPr txBox="1"/>
+            <p:nvPr/>
+          </p:nvSpPr>
+          <p:spPr>
+            <a:xfrm>
+              <a:off x="0" y="-38100"/>
+              <a:ext cx="4274726" cy="2205567"/>
+            </a:xfrm>
+            <a:prstGeom prst="rect">
+              <a:avLst/>
+            </a:prstGeom>
+          </p:spPr>
+          <p:txBody>
+            <a:bodyPr lIns="50800" tIns="50800" rIns="50800" bIns="50800" rtlCol="0" anchor="ctr"/>
+            <a:lstStyle/>
+            <a:p>
+              <a:pPr algn="ctr">
+                <a:lnSpc>
+                  <a:spcPts val="2659"/>
+                </a:lnSpc>
+              </a:pPr>
+              <a:endParaRPr/>
+            </a:p>
+          </p:txBody>
+        </p:sp>
+      </p:grpSp>
+      <p:grpSp>
+        <p:nvGrpSpPr>
+          <p:cNvPr id="6" name="Group 6"/>
+          <p:cNvGrpSpPr/>
+          <p:nvPr/>
+        </p:nvGrpSpPr>
+        <p:grpSpPr>
+          <a:xfrm>
+            <a:off x="11601846" y="419788"/>
+            <a:ext cx="7163655" cy="1217823"/>
+            <a:chOff x="0" y="0"/>
+            <a:chExt cx="1886724" cy="320744"/>
+          </a:xfrm>
+        </p:grpSpPr>
+        <p:sp>
+          <p:nvSpPr>
+            <p:cNvPr id="7" name="Freeform 7"/>
+            <p:cNvSpPr/>
+            <p:nvPr/>
+          </p:nvSpPr>
+          <p:spPr>
+            <a:xfrm>
+              <a:off x="0" y="0"/>
+              <a:ext cx="1886724" cy="320744"/>
+            </a:xfrm>
+            <a:custGeom>
+              <a:avLst/>
+              <a:gdLst/>
+              <a:ahLst/>
+              <a:cxnLst/>
+              <a:rect l="l" t="t" r="r" b="b"/>
+              <a:pathLst>
+                <a:path w="1886724" h="320744">
+                  <a:moveTo>
+                    <a:pt x="55117" y="0"/>
+                  </a:moveTo>
+                  <a:lnTo>
+                    <a:pt x="1831607" y="0"/>
+                  </a:lnTo>
+                  <a:cubicBezTo>
+                    <a:pt x="1862047" y="0"/>
+                    <a:pt x="1886724" y="24677"/>
+                    <a:pt x="1886724" y="55117"/>
+                  </a:cubicBezTo>
+                  <a:lnTo>
+                    <a:pt x="1886724" y="265627"/>
+                  </a:lnTo>
+                  <a:cubicBezTo>
+                    <a:pt x="1886724" y="280245"/>
+                    <a:pt x="1880917" y="294264"/>
+                    <a:pt x="1870581" y="304600"/>
+                  </a:cubicBezTo>
+                  <a:cubicBezTo>
+                    <a:pt x="1860244" y="314937"/>
+                    <a:pt x="1846225" y="320744"/>
+                    <a:pt x="1831607" y="320744"/>
+                  </a:cubicBezTo>
+                  <a:lnTo>
+                    <a:pt x="55117" y="320744"/>
+                  </a:lnTo>
+                  <a:cubicBezTo>
+                    <a:pt x="40499" y="320744"/>
+                    <a:pt x="26480" y="314937"/>
+                    <a:pt x="16143" y="304600"/>
+                  </a:cubicBezTo>
+                  <a:cubicBezTo>
+                    <a:pt x="5807" y="294264"/>
+                    <a:pt x="0" y="280245"/>
+                    <a:pt x="0" y="265627"/>
+                  </a:cubicBezTo>
+                  <a:lnTo>
+                    <a:pt x="0" y="55117"/>
+                  </a:lnTo>
+                  <a:cubicBezTo>
+                    <a:pt x="0" y="40499"/>
+                    <a:pt x="5807" y="26480"/>
+                    <a:pt x="16143" y="16143"/>
+                  </a:cubicBezTo>
+                  <a:cubicBezTo>
+                    <a:pt x="26480" y="5807"/>
+                    <a:pt x="40499" y="0"/>
+                    <a:pt x="55117" y="0"/>
+                  </a:cubicBezTo>
+                  <a:close/>
+                </a:path>
+              </a:pathLst>
+            </a:custGeom>
+            <a:solidFill>
+              <a:srgbClr val="0D0F68"/>
+            </a:solidFill>
+          </p:spPr>
+        </p:sp>
+        <p:sp>
+          <p:nvSpPr>
+            <p:cNvPr id="8" name="TextBox 8"/>
+            <p:cNvSpPr txBox="1"/>
+            <p:nvPr/>
+          </p:nvSpPr>
+          <p:spPr>
+            <a:xfrm>
+              <a:off x="0" y="-38100"/>
+              <a:ext cx="1886724" cy="358844"/>
+            </a:xfrm>
+            <a:prstGeom prst="rect">
+              <a:avLst/>
+            </a:prstGeom>
+          </p:spPr>
+          <p:txBody>
+            <a:bodyPr lIns="50800" tIns="50800" rIns="50800" bIns="50800" rtlCol="0" anchor="ctr"/>
+            <a:lstStyle/>
+            <a:p>
+              <a:pPr algn="ctr">
+                <a:lnSpc>
+                  <a:spcPts val="2659"/>
+                </a:lnSpc>
+                <a:spcBef>
+                  <a:spcPct val="0"/>
+                </a:spcBef>
+              </a:pPr>
+              <a:endParaRPr/>
+            </a:p>
+          </p:txBody>
+        </p:sp>
+      </p:grpSp>
+      <p:sp>
+        <p:nvSpPr>
+          <p:cNvPr id="9" name="TextBox 9"/>
+          <p:cNvSpPr txBox="1"/>
+          <p:nvPr/>
+        </p:nvSpPr>
+        <p:spPr>
+          <a:xfrm>
+            <a:off x="12446545" y="600075"/>
+            <a:ext cx="5474256" cy="771525"/>
+          </a:xfrm>
+          <a:prstGeom prst="rect">
+            <a:avLst/>
+          </a:prstGeom>
+        </p:spPr>
+        <p:txBody>
+          <a:bodyPr lIns="0" tIns="0" rIns="0" bIns="0" rtlCol="0" anchor="t">
+            <a:spAutoFit/>
+          </a:bodyPr>
+          <a:lstStyle/>
+          <a:p>
+            <a:pPr algn="ctr">
+              <a:lnSpc>
+                <a:spcPts val="6299"/>
+              </a:lnSpc>
+            </a:pPr>
+            <a:r>
+              <a:rPr lang="en-US" sz="4500">
+                <a:solidFill>
+                  <a:srgbClr val="FFFFFF"/>
+                </a:solidFill>
+                <a:latin typeface="Yeseva One Bold"/>
+                <a:ea typeface="Yeseva One Bold"/>
+              </a:rPr>
+              <a:t>﻿Conclusion</a:t>
+            </a:r>
+          </a:p>
+        </p:txBody>
+      </p:sp>
+      <p:sp>
+        <p:nvSpPr>
+          <p:cNvPr id="10" name="TextBox 10"/>
+          <p:cNvSpPr txBox="1"/>
+          <p:nvPr/>
+        </p:nvSpPr>
+        <p:spPr>
+          <a:xfrm>
+            <a:off x="1165150" y="2622396"/>
+            <a:ext cx="1603265" cy="1047750"/>
+          </a:xfrm>
+          <a:prstGeom prst="rect">
+            <a:avLst/>
+          </a:prstGeom>
+        </p:spPr>
+        <p:txBody>
+          <a:bodyPr lIns="0" tIns="0" rIns="0" bIns="0" rtlCol="0" anchor="t">
+            <a:spAutoFit/>
+          </a:bodyPr>
+          <a:lstStyle/>
+          <a:p>
+            <a:pPr algn="ctr">
+              <a:lnSpc>
+                <a:spcPts val="8400"/>
+              </a:lnSpc>
+            </a:pPr>
+            <a:r>
+              <a:rPr lang="en-US" sz="6000">
+                <a:solidFill>
+                  <a:srgbClr val="0D0F68"/>
+                </a:solidFill>
+                <a:latin typeface="Yeseva One"/>
+              </a:rPr>
+              <a:t>01</a:t>
+            </a:r>
+          </a:p>
+        </p:txBody>
+      </p:sp>
+      <p:sp>
+        <p:nvSpPr>
+          <p:cNvPr id="11" name="TextBox 11"/>
+          <p:cNvSpPr txBox="1"/>
+          <p:nvPr/>
+        </p:nvSpPr>
+        <p:spPr>
+          <a:xfrm>
+            <a:off x="2768415" y="2317596"/>
+            <a:ext cx="6884580" cy="2647950"/>
+          </a:xfrm>
+          <a:prstGeom prst="rect">
+            <a:avLst/>
+          </a:prstGeom>
+        </p:spPr>
+        <p:txBody>
+          <a:bodyPr lIns="0" tIns="0" rIns="0" bIns="0" rtlCol="0" anchor="t">
+            <a:spAutoFit/>
+          </a:bodyPr>
+          <a:lstStyle/>
+          <a:p>
+            <a:pPr>
+              <a:lnSpc>
+                <a:spcPts val="4200"/>
+              </a:lnSpc>
+            </a:pPr>
+            <a:r>
+              <a:rPr lang="en-US" sz="3000">
+                <a:solidFill>
+                  <a:srgbClr val="0D0F68"/>
+                </a:solidFill>
+                <a:latin typeface="Garet"/>
+              </a:rPr>
+              <a:t>Utilized Red Pitaya STEMLAB board and Ultrasonic sensor SRF02 to locate the first echo from ultrasonic waves, revealing varied behavior with different materials.</a:t>
+            </a:r>
+          </a:p>
+        </p:txBody>
+      </p:sp>
+      <p:sp>
+        <p:nvSpPr>
+          <p:cNvPr id="12" name="TextBox 12"/>
+          <p:cNvSpPr txBox="1"/>
+          <p:nvPr/>
+        </p:nvSpPr>
+        <p:spPr>
+          <a:xfrm>
+            <a:off x="1165150" y="5682667"/>
+            <a:ext cx="1603265" cy="1047750"/>
+          </a:xfrm>
+          <a:prstGeom prst="rect">
+            <a:avLst/>
+          </a:prstGeom>
+        </p:spPr>
+        <p:txBody>
+          <a:bodyPr lIns="0" tIns="0" rIns="0" bIns="0" rtlCol="0" anchor="t">
+            <a:spAutoFit/>
+          </a:bodyPr>
+          <a:lstStyle/>
+          <a:p>
+            <a:pPr algn="ctr">
+              <a:lnSpc>
+                <a:spcPts val="8400"/>
+              </a:lnSpc>
+            </a:pPr>
+            <a:r>
+              <a:rPr lang="en-US" sz="6000">
+                <a:solidFill>
+                  <a:srgbClr val="0D0F68"/>
+                </a:solidFill>
+                <a:latin typeface="Yeseva One"/>
+              </a:rPr>
+              <a:t>03</a:t>
+            </a:r>
+          </a:p>
+        </p:txBody>
+      </p:sp>
+      <p:sp>
+        <p:nvSpPr>
+          <p:cNvPr id="13" name="TextBox 13"/>
+          <p:cNvSpPr txBox="1"/>
+          <p:nvPr/>
+        </p:nvSpPr>
+        <p:spPr>
+          <a:xfrm>
+            <a:off x="2768415" y="5492167"/>
+            <a:ext cx="6375585" cy="3181350"/>
+          </a:xfrm>
+          <a:prstGeom prst="rect">
+            <a:avLst/>
+          </a:prstGeom>
+        </p:spPr>
+        <p:txBody>
+          <a:bodyPr lIns="0" tIns="0" rIns="0" bIns="0" rtlCol="0" anchor="t">
+            <a:spAutoFit/>
+          </a:bodyPr>
+          <a:lstStyle/>
+          <a:p>
+            <a:pPr>
+              <a:lnSpc>
+                <a:spcPts val="4200"/>
+              </a:lnSpc>
+            </a:pPr>
+            <a:r>
+              <a:rPr lang="en-US" sz="3000">
+                <a:solidFill>
+                  <a:srgbClr val="0D0F68"/>
+                </a:solidFill>
+                <a:latin typeface="Garet"/>
+              </a:rPr>
+              <a:t>Highlighted the significance of parameter tuning, particularly window size, in balancing accuracy and computational efficiency in signal processing and machine learning tasks.</a:t>
+            </a:r>
+          </a:p>
+        </p:txBody>
+      </p:sp>
+      <p:sp>
+        <p:nvSpPr>
+          <p:cNvPr id="14" name="TextBox 14"/>
+          <p:cNvSpPr txBox="1"/>
+          <p:nvPr/>
+        </p:nvSpPr>
+        <p:spPr>
+          <a:xfrm>
+            <a:off x="9144000" y="2641446"/>
+            <a:ext cx="1603265" cy="946150"/>
+          </a:xfrm>
+          <a:prstGeom prst="rect">
+            <a:avLst/>
+          </a:prstGeom>
+        </p:spPr>
+        <p:txBody>
+          <a:bodyPr lIns="0" tIns="0" rIns="0" bIns="0" rtlCol="0" anchor="t">
+            <a:spAutoFit/>
+          </a:bodyPr>
+          <a:lstStyle/>
+          <a:p>
+            <a:pPr algn="ctr">
+              <a:lnSpc>
+                <a:spcPts val="7700"/>
+              </a:lnSpc>
+            </a:pPr>
+            <a:r>
+              <a:rPr lang="en-US" sz="5500">
+                <a:solidFill>
+                  <a:srgbClr val="0D0F68"/>
+                </a:solidFill>
+                <a:latin typeface="Yeseva One"/>
+              </a:rPr>
+              <a:t>02</a:t>
+            </a:r>
+          </a:p>
+        </p:txBody>
+      </p:sp>
+      <p:sp>
+        <p:nvSpPr>
+          <p:cNvPr id="15" name="TextBox 15"/>
+          <p:cNvSpPr txBox="1"/>
+          <p:nvPr/>
+        </p:nvSpPr>
+        <p:spPr>
+          <a:xfrm>
+            <a:off x="10747265" y="2107908"/>
+            <a:ext cx="7173536" cy="2647950"/>
+          </a:xfrm>
+          <a:prstGeom prst="rect">
+            <a:avLst/>
+          </a:prstGeom>
+        </p:spPr>
+        <p:txBody>
+          <a:bodyPr lIns="0" tIns="0" rIns="0" bIns="0" rtlCol="0" anchor="t">
+            <a:spAutoFit/>
+          </a:bodyPr>
+          <a:lstStyle/>
+          <a:p>
+            <a:pPr>
+              <a:lnSpc>
+                <a:spcPts val="4200"/>
+              </a:lnSpc>
+            </a:pPr>
+            <a:r>
+              <a:rPr lang="en-US" sz="3000">
+                <a:solidFill>
+                  <a:srgbClr val="0D0F68"/>
+                </a:solidFill>
+                <a:latin typeface="Garet"/>
+              </a:rPr>
+              <a:t>Comparative analysis of CNN, Random Forest, and XGBoost models on the 1m dataset provided insights into their strengths and weaknesses</a:t>
+            </a:r>
+          </a:p>
+        </p:txBody>
+      </p:sp>
+      <p:sp>
+        <p:nvSpPr>
+          <p:cNvPr id="16" name="TextBox 16"/>
+          <p:cNvSpPr txBox="1"/>
+          <p:nvPr/>
+        </p:nvSpPr>
+        <p:spPr>
+          <a:xfrm>
+            <a:off x="9144000" y="5682667"/>
+            <a:ext cx="1603265" cy="1047750"/>
+          </a:xfrm>
+          <a:prstGeom prst="rect">
+            <a:avLst/>
+          </a:prstGeom>
+        </p:spPr>
+        <p:txBody>
+          <a:bodyPr lIns="0" tIns="0" rIns="0" bIns="0" rtlCol="0" anchor="t">
+            <a:spAutoFit/>
+          </a:bodyPr>
+          <a:lstStyle/>
+          <a:p>
+            <a:pPr algn="ctr">
+              <a:lnSpc>
+                <a:spcPts val="8400"/>
+              </a:lnSpc>
+            </a:pPr>
+            <a:r>
+              <a:rPr lang="en-US" sz="6000">
+                <a:solidFill>
+                  <a:srgbClr val="0D0F68"/>
+                </a:solidFill>
+                <a:latin typeface="Yeseva One"/>
+              </a:rPr>
+              <a:t>04</a:t>
+            </a:r>
+          </a:p>
+        </p:txBody>
+      </p:sp>
+      <p:sp>
+        <p:nvSpPr>
+          <p:cNvPr id="17" name="TextBox 17"/>
+          <p:cNvSpPr txBox="1"/>
+          <p:nvPr/>
+        </p:nvSpPr>
+        <p:spPr>
+          <a:xfrm>
+            <a:off x="10747265" y="5492167"/>
+            <a:ext cx="6964948" cy="3714750"/>
+          </a:xfrm>
+          <a:prstGeom prst="rect">
+            <a:avLst/>
+          </a:prstGeom>
+        </p:spPr>
+        <p:txBody>
+          <a:bodyPr lIns="0" tIns="0" rIns="0" bIns="0" rtlCol="0" anchor="t">
+            <a:spAutoFit/>
+          </a:bodyPr>
+          <a:lstStyle/>
+          <a:p>
+            <a:pPr>
+              <a:lnSpc>
+                <a:spcPts val="4200"/>
+              </a:lnSpc>
+            </a:pPr>
+            <a:r>
+              <a:rPr lang="en-US" sz="3000">
+                <a:solidFill>
+                  <a:srgbClr val="0D0F68"/>
+                </a:solidFill>
+                <a:latin typeface="Garet"/>
+              </a:rPr>
+              <a:t> Identified the potential for improving classification rates by augmenting training data volume and considering the use of larger, pre-trained models to enhance precision in predicting the first echo.</a:t>
+            </a:r>
+          </a:p>
+        </p:txBody>
+      </p:sp>
+      <p:pic>
+        <p:nvPicPr>
+          <p:cNvPr id="18" name="Picture 2" descr="campUAS">
+            <a:extLst>
+              <a:ext uri="{FF2B5EF4-FFF2-40B4-BE49-F238E27FC236}">
+                <a16:creationId xmlns:a16="http://schemas.microsoft.com/office/drawing/2014/main" id="{0D7BC12F-EB49-15AA-169F-D66E19CF9151}"/>
+              </a:ext>
+            </a:extLst>
+          </p:cNvPr>
+          <p:cNvPicPr>
+            <a:picLocks noChangeAspect="1" noChangeArrowheads="1"/>
+          </p:cNvPicPr>
+          <p:nvPr/>
+        </p:nvPicPr>
+        <p:blipFill>
+          <a:blip r:embed="rId3">
+            <a:extLst>
+              <a:ext uri="{28A0092B-C50C-407E-A947-70E740481C1C}">
+                <a14:useLocalDpi xmlns:a14="http://schemas.microsoft.com/office/drawing/2010/main" val="0"/>
+              </a:ext>
+            </a:extLst>
+          </a:blip>
+          <a:srcRect/>
+          <a:stretch>
+            <a:fillRect/>
+          </a:stretch>
+        </p:blipFill>
+        <p:spPr bwMode="auto">
+          <a:xfrm>
+            <a:off x="30118" y="398953"/>
+            <a:ext cx="2762250" cy="1190625"/>
+          </a:xfrm>
+          <a:prstGeom prst="rect">
+            <a:avLst/>
+          </a:prstGeom>
+          <a:noFill/>
+          <a:extLst>
+            <a:ext uri="{909E8E84-426E-40DD-AFC4-6F175D3DCCD1}">
+              <a14:hiddenFill xmlns:a14="http://schemas.microsoft.com/office/drawing/2010/main">
+                <a:solidFill>
+                  <a:srgbClr val="FFFFFF"/>
+                </a:solidFill>
+              </a14:hiddenFill>
+            </a:ext>
+          </a:extLst>
+        </p:spPr>
+      </p:pic>
+    </p:spTree>
+  </p:cSld>
+  <p:clrMapOvr>
+    <a:masterClrMapping/>
+  </p:clrMapOvr>
+</p:sld>
+</file>
+
+<file path=ppt/slides/slide21.xml><?xml version="1.0" encoding="utf-8"?>
+<p:sld xmlns:a="http://schemas.openxmlformats.org/drawingml/2006/main" xmlns:r="http://schemas.openxmlformats.org/officeDocument/2006/relationships" xmlns:p="http://schemas.openxmlformats.org/presentationml/2006/main">
+  <p:cSld>
+    <p:spTree>
+      <p:nvGrpSpPr>
+        <p:cNvPr id="1" name=""/>
+        <p:cNvGrpSpPr/>
+        <p:nvPr/>
+      </p:nvGrpSpPr>
+      <p:grpSpPr>
+        <a:xfrm>
+          <a:off x="0" y="0"/>
+          <a:ext cx="0" cy="0"/>
+          <a:chOff x="0" y="0"/>
+          <a:chExt cx="0" cy="0"/>
+        </a:xfrm>
+      </p:grpSpPr>
+      <p:sp>
+        <p:nvSpPr>
+          <p:cNvPr id="2" name="Freeform 2"/>
+          <p:cNvSpPr/>
+          <p:nvPr/>
+        </p:nvSpPr>
+        <p:spPr>
+          <a:xfrm flipH="1">
+            <a:off x="0" y="7881"/>
+            <a:ext cx="18288000" cy="10287000"/>
+          </a:xfrm>
+          <a:custGeom>
+            <a:avLst/>
+            <a:gdLst/>
+            <a:ahLst/>
+            <a:cxnLst/>
+            <a:rect l="l" t="t" r="r" b="b"/>
+            <a:pathLst>
+              <a:path w="18288000" h="10287000">
+                <a:moveTo>
+                  <a:pt x="18288000" y="0"/>
+                </a:moveTo>
+                <a:lnTo>
+                  <a:pt x="0" y="0"/>
+                </a:lnTo>
+                <a:lnTo>
+                  <a:pt x="0" y="10287000"/>
+                </a:lnTo>
+                <a:lnTo>
+                  <a:pt x="18288000" y="10287000"/>
+                </a:lnTo>
+                <a:lnTo>
+                  <a:pt x="18288000" y="0"/>
+                </a:lnTo>
+                <a:close/>
+              </a:path>
+            </a:pathLst>
+          </a:custGeom>
+          <a:blipFill>
+            <a:blip r:embed="rId2"/>
+            <a:stretch>
+              <a:fillRect/>
+            </a:stretch>
+          </a:blipFill>
+        </p:spPr>
+      </p:sp>
+      <p:sp>
+        <p:nvSpPr>
+          <p:cNvPr id="4" name="TextBox 4"/>
+          <p:cNvSpPr txBox="1"/>
+          <p:nvPr/>
+        </p:nvSpPr>
+        <p:spPr>
+          <a:xfrm>
+            <a:off x="1804359" y="4558708"/>
+            <a:ext cx="14679282" cy="2008403"/>
+          </a:xfrm>
+          <a:prstGeom prst="rect">
+            <a:avLst/>
+          </a:prstGeom>
+        </p:spPr>
+        <p:txBody>
+          <a:bodyPr lIns="0" tIns="0" rIns="0" bIns="0" rtlCol="0" anchor="t">
+            <a:spAutoFit/>
+          </a:bodyPr>
+          <a:lstStyle/>
+          <a:p>
+            <a:pPr algn="ctr">
+              <a:lnSpc>
+                <a:spcPts val="16350"/>
+              </a:lnSpc>
+            </a:pPr>
+            <a:r>
+              <a:rPr lang="en-US" sz="11679">
+                <a:solidFill>
+                  <a:srgbClr val="0D0F68"/>
+                </a:solidFill>
+                <a:latin typeface="Yeseva One"/>
+              </a:rPr>
+              <a:t>Thank You</a:t>
+            </a:r>
+          </a:p>
+        </p:txBody>
+      </p:sp>
+      <p:pic>
+        <p:nvPicPr>
+          <p:cNvPr id="7" name="Picture 2" descr="campUAS">
+            <a:extLst>
+              <a:ext uri="{FF2B5EF4-FFF2-40B4-BE49-F238E27FC236}">
+                <a16:creationId xmlns:a16="http://schemas.microsoft.com/office/drawing/2014/main" id="{0B68B698-9A4A-6495-CE8B-C6C4AF2A53A4}"/>
               </a:ext>
             </a:extLst>
           </p:cNvPr>
